--- a/powerpoint/3_basic_UNIX.pptx
+++ b/powerpoint/3_basic_UNIX.pptx
@@ -274,7 +274,7 @@
           <a:p>
             <a:fld id="{1E855DFA-625E-4F2B-9A42-1E05F98E1771}" type="datetimeFigureOut">
               <a:rPr lang="en-GB" smtClean="0"/>
-              <a:t>22/09/2020</a:t>
+              <a:t>28/09/2020</a:t>
             </a:fld>
             <a:endParaRPr lang="en-GB"/>
           </a:p>
@@ -474,7 +474,7 @@
           <a:p>
             <a:fld id="{1E855DFA-625E-4F2B-9A42-1E05F98E1771}" type="datetimeFigureOut">
               <a:rPr lang="en-GB" smtClean="0"/>
-              <a:t>22/09/2020</a:t>
+              <a:t>28/09/2020</a:t>
             </a:fld>
             <a:endParaRPr lang="en-GB"/>
           </a:p>
@@ -684,7 +684,7 @@
           <a:p>
             <a:fld id="{1E855DFA-625E-4F2B-9A42-1E05F98E1771}" type="datetimeFigureOut">
               <a:rPr lang="en-GB" smtClean="0"/>
-              <a:t>22/09/2020</a:t>
+              <a:t>28/09/2020</a:t>
             </a:fld>
             <a:endParaRPr lang="en-GB"/>
           </a:p>
@@ -884,7 +884,7 @@
           <a:p>
             <a:fld id="{1E855DFA-625E-4F2B-9A42-1E05F98E1771}" type="datetimeFigureOut">
               <a:rPr lang="en-GB" smtClean="0"/>
-              <a:t>22/09/2020</a:t>
+              <a:t>28/09/2020</a:t>
             </a:fld>
             <a:endParaRPr lang="en-GB"/>
           </a:p>
@@ -1160,7 +1160,7 @@
           <a:p>
             <a:fld id="{1E855DFA-625E-4F2B-9A42-1E05F98E1771}" type="datetimeFigureOut">
               <a:rPr lang="en-GB" smtClean="0"/>
-              <a:t>22/09/2020</a:t>
+              <a:t>28/09/2020</a:t>
             </a:fld>
             <a:endParaRPr lang="en-GB"/>
           </a:p>
@@ -1428,7 +1428,7 @@
           <a:p>
             <a:fld id="{1E855DFA-625E-4F2B-9A42-1E05F98E1771}" type="datetimeFigureOut">
               <a:rPr lang="en-GB" smtClean="0"/>
-              <a:t>22/09/2020</a:t>
+              <a:t>28/09/2020</a:t>
             </a:fld>
             <a:endParaRPr lang="en-GB"/>
           </a:p>
@@ -1843,7 +1843,7 @@
           <a:p>
             <a:fld id="{1E855DFA-625E-4F2B-9A42-1E05F98E1771}" type="datetimeFigureOut">
               <a:rPr lang="en-GB" smtClean="0"/>
-              <a:t>22/09/2020</a:t>
+              <a:t>28/09/2020</a:t>
             </a:fld>
             <a:endParaRPr lang="en-GB"/>
           </a:p>
@@ -1985,7 +1985,7 @@
           <a:p>
             <a:fld id="{1E855DFA-625E-4F2B-9A42-1E05F98E1771}" type="datetimeFigureOut">
               <a:rPr lang="en-GB" smtClean="0"/>
-              <a:t>22/09/2020</a:t>
+              <a:t>28/09/2020</a:t>
             </a:fld>
             <a:endParaRPr lang="en-GB"/>
           </a:p>
@@ -2098,7 +2098,7 @@
           <a:p>
             <a:fld id="{1E855DFA-625E-4F2B-9A42-1E05F98E1771}" type="datetimeFigureOut">
               <a:rPr lang="en-GB" smtClean="0"/>
-              <a:t>22/09/2020</a:t>
+              <a:t>28/09/2020</a:t>
             </a:fld>
             <a:endParaRPr lang="en-GB"/>
           </a:p>
@@ -2411,7 +2411,7 @@
           <a:p>
             <a:fld id="{1E855DFA-625E-4F2B-9A42-1E05F98E1771}" type="datetimeFigureOut">
               <a:rPr lang="en-GB" smtClean="0"/>
-              <a:t>22/09/2020</a:t>
+              <a:t>28/09/2020</a:t>
             </a:fld>
             <a:endParaRPr lang="en-GB"/>
           </a:p>
@@ -2700,7 +2700,7 @@
           <a:p>
             <a:fld id="{1E855DFA-625E-4F2B-9A42-1E05F98E1771}" type="datetimeFigureOut">
               <a:rPr lang="en-GB" smtClean="0"/>
-              <a:t>22/09/2020</a:t>
+              <a:t>28/09/2020</a:t>
             </a:fld>
             <a:endParaRPr lang="en-GB"/>
           </a:p>
@@ -2943,7 +2943,7 @@
           <a:p>
             <a:fld id="{1E855DFA-625E-4F2B-9A42-1E05F98E1771}" type="datetimeFigureOut">
               <a:rPr lang="en-GB" smtClean="0"/>
-              <a:t>22/09/2020</a:t>
+              <a:t>28/09/2020</a:t>
             </a:fld>
             <a:endParaRPr lang="en-GB"/>
           </a:p>
@@ -6725,7 +6725,7 @@
                   <a:srgbClr val="0070C0"/>
                 </a:solidFill>
               </a:rPr>
-              <a:t>~/</a:t>
+              <a:t>~/ </a:t>
             </a:r>
             <a:r>
               <a:rPr lang="en-GB" dirty="0" err="1">
@@ -6733,7 +6733,7 @@
                   <a:srgbClr val="0070C0"/>
                 </a:solidFill>
               </a:rPr>
-              <a:t>ngs</a:t>
+              <a:t>genome_assembly_workshop</a:t>
             </a:r>
             <a:r>
               <a:rPr lang="en-GB" dirty="0">
@@ -6741,7 +6741,7 @@
                   <a:srgbClr val="0070C0"/>
                 </a:solidFill>
               </a:rPr>
-              <a:t>/</a:t>
+              <a:t> /</a:t>
             </a:r>
             <a:r>
               <a:rPr lang="en-GB" dirty="0" err="1">

--- a/powerpoint/3_basic_UNIX.pptx
+++ b/powerpoint/3_basic_UNIX.pptx
@@ -274,7 +274,7 @@
           <a:p>
             <a:fld id="{1E855DFA-625E-4F2B-9A42-1E05F98E1771}" type="datetimeFigureOut">
               <a:rPr lang="en-GB" smtClean="0"/>
-              <a:t>28/09/2020</a:t>
+              <a:t>05/10/2020</a:t>
             </a:fld>
             <a:endParaRPr lang="en-GB"/>
           </a:p>
@@ -474,7 +474,7 @@
           <a:p>
             <a:fld id="{1E855DFA-625E-4F2B-9A42-1E05F98E1771}" type="datetimeFigureOut">
               <a:rPr lang="en-GB" smtClean="0"/>
-              <a:t>28/09/2020</a:t>
+              <a:t>05/10/2020</a:t>
             </a:fld>
             <a:endParaRPr lang="en-GB"/>
           </a:p>
@@ -684,7 +684,7 @@
           <a:p>
             <a:fld id="{1E855DFA-625E-4F2B-9A42-1E05F98E1771}" type="datetimeFigureOut">
               <a:rPr lang="en-GB" smtClean="0"/>
-              <a:t>28/09/2020</a:t>
+              <a:t>05/10/2020</a:t>
             </a:fld>
             <a:endParaRPr lang="en-GB"/>
           </a:p>
@@ -884,7 +884,7 @@
           <a:p>
             <a:fld id="{1E855DFA-625E-4F2B-9A42-1E05F98E1771}" type="datetimeFigureOut">
               <a:rPr lang="en-GB" smtClean="0"/>
-              <a:t>28/09/2020</a:t>
+              <a:t>05/10/2020</a:t>
             </a:fld>
             <a:endParaRPr lang="en-GB"/>
           </a:p>
@@ -1160,7 +1160,7 @@
           <a:p>
             <a:fld id="{1E855DFA-625E-4F2B-9A42-1E05F98E1771}" type="datetimeFigureOut">
               <a:rPr lang="en-GB" smtClean="0"/>
-              <a:t>28/09/2020</a:t>
+              <a:t>05/10/2020</a:t>
             </a:fld>
             <a:endParaRPr lang="en-GB"/>
           </a:p>
@@ -1428,7 +1428,7 @@
           <a:p>
             <a:fld id="{1E855DFA-625E-4F2B-9A42-1E05F98E1771}" type="datetimeFigureOut">
               <a:rPr lang="en-GB" smtClean="0"/>
-              <a:t>28/09/2020</a:t>
+              <a:t>05/10/2020</a:t>
             </a:fld>
             <a:endParaRPr lang="en-GB"/>
           </a:p>
@@ -1843,7 +1843,7 @@
           <a:p>
             <a:fld id="{1E855DFA-625E-4F2B-9A42-1E05F98E1771}" type="datetimeFigureOut">
               <a:rPr lang="en-GB" smtClean="0"/>
-              <a:t>28/09/2020</a:t>
+              <a:t>05/10/2020</a:t>
             </a:fld>
             <a:endParaRPr lang="en-GB"/>
           </a:p>
@@ -1985,7 +1985,7 @@
           <a:p>
             <a:fld id="{1E855DFA-625E-4F2B-9A42-1E05F98E1771}" type="datetimeFigureOut">
               <a:rPr lang="en-GB" smtClean="0"/>
-              <a:t>28/09/2020</a:t>
+              <a:t>05/10/2020</a:t>
             </a:fld>
             <a:endParaRPr lang="en-GB"/>
           </a:p>
@@ -2098,7 +2098,7 @@
           <a:p>
             <a:fld id="{1E855DFA-625E-4F2B-9A42-1E05F98E1771}" type="datetimeFigureOut">
               <a:rPr lang="en-GB" smtClean="0"/>
-              <a:t>28/09/2020</a:t>
+              <a:t>05/10/2020</a:t>
             </a:fld>
             <a:endParaRPr lang="en-GB"/>
           </a:p>
@@ -2411,7 +2411,7 @@
           <a:p>
             <a:fld id="{1E855DFA-625E-4F2B-9A42-1E05F98E1771}" type="datetimeFigureOut">
               <a:rPr lang="en-GB" smtClean="0"/>
-              <a:t>28/09/2020</a:t>
+              <a:t>05/10/2020</a:t>
             </a:fld>
             <a:endParaRPr lang="en-GB"/>
           </a:p>
@@ -2700,7 +2700,7 @@
           <a:p>
             <a:fld id="{1E855DFA-625E-4F2B-9A42-1E05F98E1771}" type="datetimeFigureOut">
               <a:rPr lang="en-GB" smtClean="0"/>
-              <a:t>28/09/2020</a:t>
+              <a:t>05/10/2020</a:t>
             </a:fld>
             <a:endParaRPr lang="en-GB"/>
           </a:p>
@@ -2943,7 +2943,7 @@
           <a:p>
             <a:fld id="{1E855DFA-625E-4F2B-9A42-1E05F98E1771}" type="datetimeFigureOut">
               <a:rPr lang="en-GB" smtClean="0"/>
-              <a:t>28/09/2020</a:t>
+              <a:t>05/10/2020</a:t>
             </a:fld>
             <a:endParaRPr lang="en-GB"/>
           </a:p>
@@ -3424,6 +3424,15 @@
               <a:t>Don’t worry, it is a lot to learn (you wont remember them!)…. you can always look them up!!</a:t>
             </a:r>
           </a:p>
+          <a:p>
+            <a:endParaRPr lang="en-GB" dirty="0"/>
+          </a:p>
+          <a:p>
+            <a:r>
+              <a:rPr lang="en-GB" b="1" dirty="0"/>
+              <a:t>AS YOU HAVE DONE UNIX WORKSHOP – we will end this here, you can always look back at it. </a:t>
+            </a:r>
+          </a:p>
         </p:txBody>
       </p:sp>
     </p:spTree>

--- a/powerpoint/3_basic_UNIX.pptx
+++ b/powerpoint/3_basic_UNIX.pptx
@@ -274,7 +274,7 @@
           <a:p>
             <a:fld id="{1E855DFA-625E-4F2B-9A42-1E05F98E1771}" type="datetimeFigureOut">
               <a:rPr lang="en-GB" smtClean="0"/>
-              <a:t>05/10/2020</a:t>
+              <a:t>21/09/2022</a:t>
             </a:fld>
             <a:endParaRPr lang="en-GB"/>
           </a:p>
@@ -474,7 +474,7 @@
           <a:p>
             <a:fld id="{1E855DFA-625E-4F2B-9A42-1E05F98E1771}" type="datetimeFigureOut">
               <a:rPr lang="en-GB" smtClean="0"/>
-              <a:t>05/10/2020</a:t>
+              <a:t>21/09/2022</a:t>
             </a:fld>
             <a:endParaRPr lang="en-GB"/>
           </a:p>
@@ -684,7 +684,7 @@
           <a:p>
             <a:fld id="{1E855DFA-625E-4F2B-9A42-1E05F98E1771}" type="datetimeFigureOut">
               <a:rPr lang="en-GB" smtClean="0"/>
-              <a:t>05/10/2020</a:t>
+              <a:t>21/09/2022</a:t>
             </a:fld>
             <a:endParaRPr lang="en-GB"/>
           </a:p>
@@ -884,7 +884,7 @@
           <a:p>
             <a:fld id="{1E855DFA-625E-4F2B-9A42-1E05F98E1771}" type="datetimeFigureOut">
               <a:rPr lang="en-GB" smtClean="0"/>
-              <a:t>05/10/2020</a:t>
+              <a:t>21/09/2022</a:t>
             </a:fld>
             <a:endParaRPr lang="en-GB"/>
           </a:p>
@@ -1160,7 +1160,7 @@
           <a:p>
             <a:fld id="{1E855DFA-625E-4F2B-9A42-1E05F98E1771}" type="datetimeFigureOut">
               <a:rPr lang="en-GB" smtClean="0"/>
-              <a:t>05/10/2020</a:t>
+              <a:t>21/09/2022</a:t>
             </a:fld>
             <a:endParaRPr lang="en-GB"/>
           </a:p>
@@ -1428,7 +1428,7 @@
           <a:p>
             <a:fld id="{1E855DFA-625E-4F2B-9A42-1E05F98E1771}" type="datetimeFigureOut">
               <a:rPr lang="en-GB" smtClean="0"/>
-              <a:t>05/10/2020</a:t>
+              <a:t>21/09/2022</a:t>
             </a:fld>
             <a:endParaRPr lang="en-GB"/>
           </a:p>
@@ -1843,7 +1843,7 @@
           <a:p>
             <a:fld id="{1E855DFA-625E-4F2B-9A42-1E05F98E1771}" type="datetimeFigureOut">
               <a:rPr lang="en-GB" smtClean="0"/>
-              <a:t>05/10/2020</a:t>
+              <a:t>21/09/2022</a:t>
             </a:fld>
             <a:endParaRPr lang="en-GB"/>
           </a:p>
@@ -1985,7 +1985,7 @@
           <a:p>
             <a:fld id="{1E855DFA-625E-4F2B-9A42-1E05F98E1771}" type="datetimeFigureOut">
               <a:rPr lang="en-GB" smtClean="0"/>
-              <a:t>05/10/2020</a:t>
+              <a:t>21/09/2022</a:t>
             </a:fld>
             <a:endParaRPr lang="en-GB"/>
           </a:p>
@@ -2098,7 +2098,7 @@
           <a:p>
             <a:fld id="{1E855DFA-625E-4F2B-9A42-1E05F98E1771}" type="datetimeFigureOut">
               <a:rPr lang="en-GB" smtClean="0"/>
-              <a:t>05/10/2020</a:t>
+              <a:t>21/09/2022</a:t>
             </a:fld>
             <a:endParaRPr lang="en-GB"/>
           </a:p>
@@ -2411,7 +2411,7 @@
           <a:p>
             <a:fld id="{1E855DFA-625E-4F2B-9A42-1E05F98E1771}" type="datetimeFigureOut">
               <a:rPr lang="en-GB" smtClean="0"/>
-              <a:t>05/10/2020</a:t>
+              <a:t>21/09/2022</a:t>
             </a:fld>
             <a:endParaRPr lang="en-GB"/>
           </a:p>
@@ -2700,7 +2700,7 @@
           <a:p>
             <a:fld id="{1E855DFA-625E-4F2B-9A42-1E05F98E1771}" type="datetimeFigureOut">
               <a:rPr lang="en-GB" smtClean="0"/>
-              <a:t>05/10/2020</a:t>
+              <a:t>21/09/2022</a:t>
             </a:fld>
             <a:endParaRPr lang="en-GB"/>
           </a:p>
@@ -2943,7 +2943,7 @@
           <a:p>
             <a:fld id="{1E855DFA-625E-4F2B-9A42-1E05F98E1771}" type="datetimeFigureOut">
               <a:rPr lang="en-GB" smtClean="0"/>
-              <a:t>05/10/2020</a:t>
+              <a:t>21/09/2022</a:t>
             </a:fld>
             <a:endParaRPr lang="en-GB"/>
           </a:p>
@@ -3996,16 +3996,21 @@
                   <a:srgbClr val="0070C0"/>
                 </a:solidFill>
               </a:rPr>
-              <a:t>ngs</a:t>
-            </a:r>
-            <a:r>
-              <a:rPr lang="en-GB" dirty="0">
+              <a:t>genome_assembly_workshop</a:t>
+            </a:r>
+            <a:r>
+              <a:rPr lang="en-GB">
                 <a:solidFill>
                   <a:srgbClr val="0070C0"/>
                 </a:solidFill>
               </a:rPr>
-              <a:t>/reads</a:t>
-            </a:r>
+              <a:t>/reads/</a:t>
+            </a:r>
+            <a:endParaRPr lang="en-GB" dirty="0">
+              <a:solidFill>
+                <a:srgbClr val="0070C0"/>
+              </a:solidFill>
+            </a:endParaRPr>
           </a:p>
           <a:p>
             <a:pPr marL="0" indent="0">
@@ -6164,7 +6169,7 @@
         </p:spPr>
         <p:txBody>
           <a:bodyPr>
-            <a:normAutofit lnSpcReduction="10000"/>
+            <a:normAutofit fontScale="92500"/>
           </a:bodyPr>
           <a:lstStyle/>
           <a:p>
@@ -6190,60 +6195,89 @@
               <a:buNone/>
             </a:pPr>
             <a:r>
+              <a:rPr lang="en-GB" sz="2600" dirty="0">
+                <a:solidFill>
+                  <a:srgbClr val="FF0000"/>
+                </a:solidFill>
+              </a:rPr>
+              <a:t>cp -</a:t>
+            </a:r>
+            <a:r>
+              <a:rPr lang="en-GB" sz="2600" dirty="0" err="1">
+                <a:solidFill>
+                  <a:srgbClr val="FF0000"/>
+                </a:solidFill>
+              </a:rPr>
+              <a:t>rv</a:t>
+            </a:r>
+            <a:r>
+              <a:rPr lang="en-GB" sz="2600" dirty="0">
+                <a:solidFill>
+                  <a:srgbClr val="FF0000"/>
+                </a:solidFill>
+              </a:rPr>
+              <a:t> /scratch/</a:t>
+            </a:r>
+            <a:r>
+              <a:rPr lang="en-GB" sz="2600" dirty="0" err="1">
+                <a:solidFill>
+                  <a:srgbClr val="FF0000"/>
+                </a:solidFill>
+              </a:rPr>
+              <a:t>bioinf</a:t>
+            </a:r>
+            <a:r>
+              <a:rPr lang="en-GB" sz="2600" dirty="0">
+                <a:solidFill>
+                  <a:srgbClr val="FF0000"/>
+                </a:solidFill>
+              </a:rPr>
+              <a:t>/BL4273/</a:t>
+            </a:r>
+            <a:r>
+              <a:rPr lang="en-GB" sz="2600" dirty="0" err="1">
+                <a:solidFill>
+                  <a:srgbClr val="FF0000"/>
+                </a:solidFill>
+              </a:rPr>
+              <a:t>genome_assembly_workshop</a:t>
+            </a:r>
+            <a:r>
+              <a:rPr lang="en-GB" sz="2600" dirty="0">
+                <a:solidFill>
+                  <a:srgbClr val="FF0000"/>
+                </a:solidFill>
+              </a:rPr>
+              <a:t> ~/scratch/</a:t>
+            </a:r>
+            <a:r>
+              <a:rPr lang="en-GB" sz="2600" dirty="0" err="1">
+                <a:solidFill>
+                  <a:srgbClr val="FF0000"/>
+                </a:solidFill>
+              </a:rPr>
+              <a:t>bioinf</a:t>
+            </a:r>
+            <a:r>
+              <a:rPr lang="en-GB" sz="2600" dirty="0">
+                <a:solidFill>
+                  <a:srgbClr val="FF0000"/>
+                </a:solidFill>
+              </a:rPr>
+              <a:t>/${USER}</a:t>
+            </a:r>
+          </a:p>
+          <a:p>
+            <a:pPr marL="0" indent="0">
+              <a:buNone/>
+            </a:pPr>
+            <a:r>
               <a:rPr lang="en-GB" dirty="0">
                 <a:solidFill>
                   <a:srgbClr val="0070C0"/>
                 </a:solidFill>
               </a:rPr>
-              <a:t>cp -</a:t>
-            </a:r>
-            <a:r>
-              <a:rPr lang="en-GB" dirty="0" err="1">
-                <a:solidFill>
-                  <a:srgbClr val="0070C0"/>
-                </a:solidFill>
-              </a:rPr>
-              <a:t>rv</a:t>
-            </a:r>
-            <a:r>
-              <a:rPr lang="en-GB" dirty="0">
-                <a:solidFill>
-                  <a:srgbClr val="0070C0"/>
-                </a:solidFill>
-              </a:rPr>
-              <a:t> /shelf/</a:t>
-            </a:r>
-            <a:r>
-              <a:rPr lang="en-GB" dirty="0" err="1">
-                <a:solidFill>
-                  <a:srgbClr val="0070C0"/>
-                </a:solidFill>
-              </a:rPr>
-              <a:t>Computational_Genomics</a:t>
-            </a:r>
-            <a:r>
-              <a:rPr lang="en-GB" dirty="0">
-                <a:solidFill>
-                  <a:srgbClr val="0070C0"/>
-                </a:solidFill>
-              </a:rPr>
-              <a:t>/</a:t>
-            </a:r>
-            <a:r>
-              <a:rPr lang="en-GB" dirty="0" err="1">
-                <a:solidFill>
-                  <a:srgbClr val="0070C0"/>
-                </a:solidFill>
-              </a:rPr>
-              <a:t>genome_assembly_workshop</a:t>
-            </a:r>
-            <a:r>
-              <a:rPr lang="en-GB" dirty="0">
-                <a:solidFill>
-                  <a:srgbClr val="0070C0"/>
-                </a:solidFill>
-              </a:rPr>
-              <a:t>/  ~/	   </a:t>
+              <a:t>	   </a:t>
             </a:r>
             <a:r>
               <a:rPr lang="en-GB" dirty="0"/>
@@ -6451,7 +6485,7 @@
         </p:blipFill>
         <p:spPr>
           <a:xfrm>
-            <a:off x="5771515" y="3378170"/>
+            <a:off x="5800725" y="3748019"/>
             <a:ext cx="5470525" cy="3520308"/>
           </a:xfrm>
           <a:prstGeom prst="rect">
@@ -6459,53 +6493,6 @@
           </a:prstGeom>
         </p:spPr>
       </p:pic>
-      <p:sp>
-        <p:nvSpPr>
-          <p:cNvPr id="5" name="Rectangle 4">
-            <a:extLst>
-              <a:ext uri="{FF2B5EF4-FFF2-40B4-BE49-F238E27FC236}">
-                <a16:creationId xmlns:a16="http://schemas.microsoft.com/office/drawing/2014/main" id="{F30289E7-AFD1-4447-9D64-1B10D9D95569}"/>
-              </a:ext>
-            </a:extLst>
-          </p:cNvPr>
-          <p:cNvSpPr/>
-          <p:nvPr/>
-        </p:nvSpPr>
-        <p:spPr>
-          <a:xfrm>
-            <a:off x="158750" y="1383364"/>
-            <a:ext cx="11083290" cy="679116"/>
-          </a:xfrm>
-          <a:prstGeom prst="rect">
-            <a:avLst/>
-          </a:prstGeom>
-          <a:noFill/>
-        </p:spPr>
-        <p:style>
-          <a:lnRef idx="2">
-            <a:schemeClr val="accent1">
-              <a:shade val="50000"/>
-            </a:schemeClr>
-          </a:lnRef>
-          <a:fillRef idx="1">
-            <a:schemeClr val="accent1"/>
-          </a:fillRef>
-          <a:effectRef idx="0">
-            <a:schemeClr val="accent1"/>
-          </a:effectRef>
-          <a:fontRef idx="minor">
-            <a:schemeClr val="lt1"/>
-          </a:fontRef>
-        </p:style>
-        <p:txBody>
-          <a:bodyPr rtlCol="0" anchor="ctr"/>
-          <a:lstStyle/>
-          <a:p>
-            <a:pPr algn="ctr"/>
-            <a:endParaRPr lang="en-GB" dirty="0"/>
-          </a:p>
-        </p:txBody>
-      </p:sp>
     </p:spTree>
     <p:extLst>
       <p:ext uri="{BB962C8B-B14F-4D97-AF65-F5344CB8AC3E}">
@@ -6639,76 +6626,6 @@
               <a:buNone/>
             </a:pPr>
             <a:r>
-              <a:rPr lang="en-GB" dirty="0"/>
-              <a:t>Lets copy the training files to your home directory:</a:t>
-            </a:r>
-          </a:p>
-          <a:p>
-            <a:pPr marL="0" indent="0">
-              <a:buNone/>
-            </a:pPr>
-            <a:r>
-              <a:rPr lang="en-GB" sz="2400" dirty="0">
-                <a:solidFill>
-                  <a:srgbClr val="0070C0"/>
-                </a:solidFill>
-              </a:rPr>
-              <a:t>cp -</a:t>
-            </a:r>
-            <a:r>
-              <a:rPr lang="en-GB" sz="2400" dirty="0" err="1">
-                <a:solidFill>
-                  <a:srgbClr val="0070C0"/>
-                </a:solidFill>
-              </a:rPr>
-              <a:t>rv</a:t>
-            </a:r>
-            <a:r>
-              <a:rPr lang="en-GB" sz="2400" dirty="0">
-                <a:solidFill>
-                  <a:srgbClr val="0070C0"/>
-                </a:solidFill>
-              </a:rPr>
-              <a:t> /shelf/</a:t>
-            </a:r>
-            <a:r>
-              <a:rPr lang="en-GB" sz="2400" dirty="0" err="1">
-                <a:solidFill>
-                  <a:srgbClr val="0070C0"/>
-                </a:solidFill>
-              </a:rPr>
-              <a:t>Computational_Genomics</a:t>
-            </a:r>
-            <a:r>
-              <a:rPr lang="en-GB" sz="2400" dirty="0">
-                <a:solidFill>
-                  <a:srgbClr val="0070C0"/>
-                </a:solidFill>
-              </a:rPr>
-              <a:t>/</a:t>
-            </a:r>
-            <a:r>
-              <a:rPr lang="en-GB" sz="2400" dirty="0" err="1">
-                <a:solidFill>
-                  <a:srgbClr val="0070C0"/>
-                </a:solidFill>
-              </a:rPr>
-              <a:t>genome_assembly_workshop</a:t>
-            </a:r>
-            <a:r>
-              <a:rPr lang="en-GB" sz="2400" dirty="0">
-                <a:solidFill>
-                  <a:srgbClr val="0070C0"/>
-                </a:solidFill>
-              </a:rPr>
-              <a:t>/  ~/</a:t>
-            </a:r>
-          </a:p>
-          <a:p>
-            <a:pPr marL="0" indent="0">
-              <a:buNone/>
-            </a:pPr>
-            <a:r>
               <a:rPr lang="en-GB" i="1" dirty="0">
                 <a:solidFill>
                   <a:srgbClr val="FF0000"/>
@@ -6858,53 +6775,6 @@
                 <a:srgbClr val="FFFF00"/>
               </a:highlight>
             </a:endParaRPr>
-          </a:p>
-        </p:txBody>
-      </p:sp>
-      <p:sp>
-        <p:nvSpPr>
-          <p:cNvPr id="5" name="Rectangle 4">
-            <a:extLst>
-              <a:ext uri="{FF2B5EF4-FFF2-40B4-BE49-F238E27FC236}">
-                <a16:creationId xmlns:a16="http://schemas.microsoft.com/office/drawing/2014/main" id="{F30289E7-AFD1-4447-9D64-1B10D9D95569}"/>
-              </a:ext>
-            </a:extLst>
-          </p:cNvPr>
-          <p:cNvSpPr/>
-          <p:nvPr/>
-        </p:nvSpPr>
-        <p:spPr>
-          <a:xfrm>
-            <a:off x="158750" y="1261641"/>
-            <a:ext cx="9533890" cy="638279"/>
-          </a:xfrm>
-          <a:prstGeom prst="rect">
-            <a:avLst/>
-          </a:prstGeom>
-          <a:noFill/>
-        </p:spPr>
-        <p:style>
-          <a:lnRef idx="2">
-            <a:schemeClr val="accent1">
-              <a:shade val="50000"/>
-            </a:schemeClr>
-          </a:lnRef>
-          <a:fillRef idx="1">
-            <a:schemeClr val="accent1"/>
-          </a:fillRef>
-          <a:effectRef idx="0">
-            <a:schemeClr val="accent1"/>
-          </a:effectRef>
-          <a:fontRef idx="minor">
-            <a:schemeClr val="lt1"/>
-          </a:fontRef>
-        </p:style>
-        <p:txBody>
-          <a:bodyPr rtlCol="0" anchor="ctr"/>
-          <a:lstStyle/>
-          <a:p>
-            <a:pPr algn="ctr"/>
-            <a:endParaRPr lang="en-GB" dirty="0"/>
           </a:p>
         </p:txBody>
       </p:sp>
